--- a/swbproys/gestor-bsc/doc/weekly/03_20130624/Junta semanal interna.pptx
+++ b/swbproys/gestor-bsc/doc/weekly/03_20130624/Junta semanal interna.pptx
@@ -5926,12 +5926,12 @@
                     <a:p>
                       <a:pPr algn="r" fontAlgn="ctr"/>
                       <a:r>
-                        <a:rPr lang="es-MX" sz="1100" u="none" strike="noStrike">
+                        <a:rPr lang="es-MX" sz="1100" u="none" strike="noStrike" dirty="0">
                           <a:effectLst/>
                         </a:rPr>
                         <a:t>39:09</a:t>
                       </a:r>
-                      <a:endParaRPr lang="es-MX" sz="1100" b="0" i="0" u="none" strike="noStrike">
+                      <a:endParaRPr lang="es-MX" sz="1100" b="0" i="0" u="none" strike="noStrike" dirty="0">
                         <a:solidFill>
                           <a:srgbClr val="000000"/>
                         </a:solidFill>
@@ -6284,20 +6284,38 @@
             </a:r>
             <a:r>
               <a:rPr lang="es-MX" sz="2400" dirty="0" smtClean="0"/>
-              <a:t>: 17 de junio de 2013.</a:t>
+              <a:t>: 17 de </a:t>
+            </a:r>
+            <a:r>
+              <a:rPr lang="es-MX" sz="2400" dirty="0" smtClean="0"/>
+              <a:t>julio </a:t>
+            </a:r>
+            <a:r>
+              <a:rPr lang="es-MX" sz="2400" dirty="0" smtClean="0"/>
+              <a:t>de 2013.</a:t>
             </a:r>
           </a:p>
           <a:p>
             <a:r>
               <a:rPr lang="es-MX" sz="2400" b="1" dirty="0" smtClean="0"/>
-              <a:t>Fecha plan actual de terminación: 11 de noviembre de 2013</a:t>
-            </a:r>
-          </a:p>
-          <a:p>
+              <a:t>Fecha plan actual de terminación: 11 de noviembre de </a:t>
+            </a:r>
             <a:r>
               <a:rPr lang="es-MX" sz="2400" b="1" dirty="0" smtClean="0"/>
-              <a:t>Fecha pronosticada de terminación: 17  de mayo de 2013</a:t>
-            </a:r>
+              <a:t>2014</a:t>
+            </a:r>
+            <a:endParaRPr lang="es-MX" sz="2400" b="1" dirty="0" smtClean="0"/>
+          </a:p>
+          <a:p>
+            <a:r>
+              <a:rPr lang="es-MX" sz="2400" b="1" dirty="0" smtClean="0"/>
+              <a:t>Fecha pronosticada de terminación: 17  de mayo de </a:t>
+            </a:r>
+            <a:r>
+              <a:rPr lang="es-MX" sz="2400" b="1" dirty="0" smtClean="0"/>
+              <a:t>2014</a:t>
+            </a:r>
+            <a:endParaRPr lang="es-MX" sz="2400" b="1" dirty="0" smtClean="0"/>
           </a:p>
           <a:p>
             <a:endParaRPr lang="es-MX" sz="2400" dirty="0"/>
@@ -9260,7 +9278,11 @@
           <a:p>
             <a:r>
               <a:rPr lang="es-MX" dirty="0" smtClean="0"/>
-              <a:t>Tareas de la próxima semana</a:t>
+              <a:t>Productos de </a:t>
+            </a:r>
+            <a:r>
+              <a:rPr lang="es-MX" dirty="0" smtClean="0"/>
+              <a:t>la próxima semana</a:t>
             </a:r>
             <a:endParaRPr lang="es-MX" dirty="0"/>
           </a:p>
@@ -11158,7 +11180,7 @@
           <p:nvPr>
             <p:extLst>
               <p:ext uri="{D42A27DB-BD31-4B8C-83A1-F6EECF244321}">
-                <p14:modId xmlns:p14="http://schemas.microsoft.com/office/powerpoint/2010/main" val="1784232680"/>
+                <p14:modId xmlns:p14="http://schemas.microsoft.com/office/powerpoint/2010/main" val="201632802"/>
               </p:ext>
             </p:extLst>
           </p:nvPr>
@@ -11242,7 +11264,7 @@
                             <a:schemeClr val="tx1"/>
                           </a:solidFill>
                         </a:rPr>
-                        <a:t>10/11/2013</a:t>
+                        <a:t>03/11/2013</a:t>
                       </a:r>
                       <a:endParaRPr lang="es-ES" dirty="0">
                         <a:solidFill>
@@ -12799,12 +12821,18 @@
         </p:nvSpPr>
         <p:spPr/>
         <p:txBody>
-          <a:bodyPr/>
+          <a:bodyPr>
+            <a:normAutofit/>
+          </a:bodyPr>
           <a:lstStyle/>
           <a:p>
             <a:r>
               <a:rPr lang="es-MX" dirty="0" smtClean="0"/>
-              <a:t>Tareas de la próxima semana</a:t>
+              <a:t>Productos de </a:t>
+            </a:r>
+            <a:r>
+              <a:rPr lang="es-MX" dirty="0" smtClean="0"/>
+              <a:t>la próxima semana</a:t>
             </a:r>
             <a:endParaRPr lang="es-MX" dirty="0"/>
           </a:p>
@@ -12819,7 +12847,7 @@
           <p:nvPr>
             <p:extLst>
               <p:ext uri="{D42A27DB-BD31-4B8C-83A1-F6EECF244321}">
-                <p14:modId xmlns:p14="http://schemas.microsoft.com/office/powerpoint/2010/main" val="3021354673"/>
+                <p14:modId xmlns:p14="http://schemas.microsoft.com/office/powerpoint/2010/main" val="1768220632"/>
               </p:ext>
             </p:extLst>
           </p:nvPr>
@@ -12876,20 +12904,20 @@
                         <a:t>Terminar la </a:t>
                       </a:r>
                       <a:r>
-                        <a:rPr lang="es-ES" dirty="0" err="1" smtClean="0"/>
-                        <a:t>Implementacion</a:t>
-                      </a:r>
-                      <a:r>
                         <a:rPr lang="es-ES" dirty="0" smtClean="0"/>
-                        <a:t> en </a:t>
-                      </a:r>
-                      <a:r>
-                        <a:rPr lang="es-ES" dirty="0" err="1" smtClean="0"/>
-                        <a:t>ontologia</a:t>
+                        <a:t>Implementación </a:t>
                       </a:r>
                       <a:r>
                         <a:rPr lang="es-ES" dirty="0" smtClean="0"/>
-                        <a:t> - Indicadores</a:t>
+                        <a:t>en </a:t>
+                      </a:r>
+                      <a:r>
+                        <a:rPr lang="es-ES" dirty="0" smtClean="0"/>
+                        <a:t>ontología </a:t>
+                      </a:r>
+                      <a:r>
+                        <a:rPr lang="es-ES" dirty="0" smtClean="0"/>
+                        <a:t>- Indicadores</a:t>
                       </a:r>
                     </a:p>
                   </a:txBody>
@@ -12907,8 +12935,8 @@
                         <a:t>Mapa </a:t>
                       </a:r>
                       <a:r>
-                        <a:rPr lang="es-ES" dirty="0" err="1" smtClean="0"/>
-                        <a:t>Estrategico</a:t>
+                        <a:rPr lang="es-ES" dirty="0" smtClean="0"/>
+                        <a:t>Estratégico</a:t>
                       </a:r>
                       <a:endParaRPr lang="es-ES" dirty="0" smtClean="0"/>
                     </a:p>
@@ -12924,11 +12952,11 @@
                     <a:p>
                       <a:r>
                         <a:rPr lang="es-ES" dirty="0" smtClean="0"/>
-                        <a:t>Indicadores/Vista resumen/</a:t>
-                      </a:r>
-                      <a:r>
-                        <a:rPr lang="es-ES" dirty="0" err="1" smtClean="0"/>
-                        <a:t>Configuracion</a:t>
+                        <a:t>Indicadores/Vista </a:t>
+                      </a:r>
+                      <a:r>
+                        <a:rPr lang="es-ES" dirty="0" smtClean="0"/>
+                        <a:t>resumen/Configuración</a:t>
                       </a:r>
                       <a:endParaRPr lang="es-ES" dirty="0" smtClean="0"/>
                     </a:p>
@@ -12992,11 +13020,11 @@
                       </a:pPr>
                       <a:r>
                         <a:rPr lang="es-ES" dirty="0" smtClean="0"/>
-                        <a:t>Indicadores/Vista resumen/</a:t>
-                      </a:r>
-                      <a:r>
-                        <a:rPr lang="es-ES" dirty="0" err="1" smtClean="0"/>
-                        <a:t>Configuracion</a:t>
+                        <a:t>Indicadores/Vista </a:t>
+                      </a:r>
+                      <a:r>
+                        <a:rPr lang="es-ES" dirty="0" smtClean="0"/>
+                        <a:t>resumen/Configuración</a:t>
                       </a:r>
                       <a:endParaRPr lang="es-ES" dirty="0" smtClean="0"/>
                     </a:p>
@@ -14358,7 +14386,7 @@
           <p:nvPr>
             <p:extLst>
               <p:ext uri="{D42A27DB-BD31-4B8C-83A1-F6EECF244321}">
-                <p14:modId xmlns:p14="http://schemas.microsoft.com/office/powerpoint/2010/main" val="148414306"/>
+                <p14:modId xmlns:p14="http://schemas.microsoft.com/office/powerpoint/2010/main" val="1637620432"/>
               </p:ext>
             </p:extLst>
           </p:nvPr>
@@ -14700,16 +14728,16 @@
                         <a:t>Recopilar </a:t>
                       </a:r>
                       <a:r>
-                        <a:rPr lang="es-MX" sz="1800" u="none" strike="noStrike" dirty="0" err="1" smtClean="0">
-                          <a:effectLst/>
-                        </a:rPr>
-                        <a:t>metricas</a:t>
-                      </a:r>
-                      <a:r>
                         <a:rPr lang="es-MX" sz="1800" u="none" strike="noStrike" dirty="0" smtClean="0">
                           <a:effectLst/>
                         </a:rPr>
-                        <a:t> correctas de la ejecución completa de los procesos</a:t>
+                        <a:t>métricas </a:t>
+                      </a:r>
+                      <a:r>
+                        <a:rPr lang="es-MX" sz="1800" u="none" strike="noStrike" dirty="0" smtClean="0">
+                          <a:effectLst/>
+                        </a:rPr>
+                        <a:t>correctas de la ejecución completa de los procesos</a:t>
                       </a:r>
                       <a:endParaRPr lang="es-MX" sz="1800" b="0" i="0" u="none" strike="noStrike" dirty="0" smtClean="0">
                         <a:solidFill>
@@ -14779,16 +14807,16 @@
                         <a:t>Defectos mayores entregados al </a:t>
                       </a:r>
                       <a:r>
-                        <a:rPr lang="es-MX" sz="1800" u="none" strike="noStrike" dirty="0" err="1" smtClean="0">
-                          <a:effectLst/>
-                        </a:rPr>
-                        <a:t>area</a:t>
-                      </a:r>
-                      <a:r>
                         <a:rPr lang="es-MX" sz="1800" u="none" strike="noStrike" dirty="0" smtClean="0">
                           <a:effectLst/>
                         </a:rPr>
-                        <a:t> de pruebas</a:t>
+                        <a:t>área </a:t>
+                      </a:r>
+                      <a:r>
+                        <a:rPr lang="es-MX" sz="1800" u="none" strike="noStrike" dirty="0" smtClean="0">
+                          <a:effectLst/>
+                        </a:rPr>
+                        <a:t>de pruebas</a:t>
                       </a:r>
                       <a:endParaRPr lang="es-MX" sz="1800" b="0" i="0" u="none" strike="noStrike" dirty="0" smtClean="0">
                         <a:solidFill>
@@ -16920,13 +16948,13 @@
           <p:nvPr>
             <p:extLst>
               <p:ext uri="{D42A27DB-BD31-4B8C-83A1-F6EECF244321}">
-                <p14:modId xmlns:p14="http://schemas.microsoft.com/office/powerpoint/2010/main" val="953537454"/>
+                <p14:modId xmlns:p14="http://schemas.microsoft.com/office/powerpoint/2010/main" val="2112846299"/>
               </p:ext>
             </p:extLst>
           </p:nvPr>
         </p:nvGraphicFramePr>
         <p:xfrm>
-          <a:off x="755576" y="4725144"/>
+          <a:off x="755576" y="4653136"/>
           <a:ext cx="7620000" cy="1310640"/>
         </p:xfrm>
         <a:graphic>

--- a/swbproys/gestor-bsc/doc/weekly/03_20130624/Junta semanal interna.pptx
+++ b/swbproys/gestor-bsc/doc/weekly/03_20130624/Junta semanal interna.pptx
@@ -5,7 +5,7 @@
     <p:sldMasterId id="2147483648" r:id="rId1"/>
   </p:sldMasterIdLst>
   <p:notesMasterIdLst>
-    <p:notesMasterId r:id="rId35"/>
+    <p:notesMasterId r:id="rId37"/>
   </p:notesMasterIdLst>
   <p:sldIdLst>
     <p:sldId id="256" r:id="rId2"/>
@@ -36,11 +36,13 @@
     <p:sldId id="272" r:id="rId27"/>
     <p:sldId id="273" r:id="rId28"/>
     <p:sldId id="274" r:id="rId29"/>
-    <p:sldId id="340" r:id="rId30"/>
-    <p:sldId id="342" r:id="rId31"/>
-    <p:sldId id="357" r:id="rId32"/>
-    <p:sldId id="358" r:id="rId33"/>
-    <p:sldId id="359" r:id="rId34"/>
+    <p:sldId id="368" r:id="rId30"/>
+    <p:sldId id="369" r:id="rId31"/>
+    <p:sldId id="340" r:id="rId32"/>
+    <p:sldId id="342" r:id="rId33"/>
+    <p:sldId id="357" r:id="rId34"/>
+    <p:sldId id="358" r:id="rId35"/>
+    <p:sldId id="359" r:id="rId36"/>
   </p:sldIdLst>
   <p:sldSz cx="9144000" cy="6858000" type="screen4x3"/>
   <p:notesSz cx="6858000" cy="9144000"/>
@@ -6284,38 +6286,20 @@
             </a:r>
             <a:r>
               <a:rPr lang="es-MX" sz="2400" dirty="0" smtClean="0"/>
-              <a:t>: 17 de </a:t>
-            </a:r>
-            <a:r>
-              <a:rPr lang="es-MX" sz="2400" dirty="0" smtClean="0"/>
-              <a:t>julio </a:t>
-            </a:r>
-            <a:r>
-              <a:rPr lang="es-MX" sz="2400" dirty="0" smtClean="0"/>
-              <a:t>de 2013.</a:t>
+              <a:t>: 17 de julio de 2013.</a:t>
             </a:r>
           </a:p>
           <a:p>
             <a:r>
               <a:rPr lang="es-MX" sz="2400" b="1" dirty="0" smtClean="0"/>
-              <a:t>Fecha plan actual de terminación: 11 de noviembre de </a:t>
+              <a:t>Fecha plan actual de terminación: 11 de noviembre de 2014</a:t>
             </a:r>
+          </a:p>
+          <a:p>
             <a:r>
               <a:rPr lang="es-MX" sz="2400" b="1" dirty="0" smtClean="0"/>
-              <a:t>2014</a:t>
+              <a:t>Fecha pronosticada de terminación: 17  de mayo de 2014</a:t>
             </a:r>
-            <a:endParaRPr lang="es-MX" sz="2400" b="1" dirty="0" smtClean="0"/>
-          </a:p>
-          <a:p>
-            <a:r>
-              <a:rPr lang="es-MX" sz="2400" b="1" dirty="0" smtClean="0"/>
-              <a:t>Fecha pronosticada de terminación: 17  de mayo de </a:t>
-            </a:r>
-            <a:r>
-              <a:rPr lang="es-MX" sz="2400" b="1" dirty="0" smtClean="0"/>
-              <a:t>2014</a:t>
-            </a:r>
-            <a:endParaRPr lang="es-MX" sz="2400" b="1" dirty="0" smtClean="0"/>
           </a:p>
           <a:p>
             <a:endParaRPr lang="es-MX" sz="2400" dirty="0"/>
@@ -9278,11 +9262,7 @@
           <a:p>
             <a:r>
               <a:rPr lang="es-MX" dirty="0" smtClean="0"/>
-              <a:t>Productos de </a:t>
-            </a:r>
-            <a:r>
-              <a:rPr lang="es-MX" dirty="0" smtClean="0"/>
-              <a:t>la próxima semana</a:t>
+              <a:t>Productos de la próxima semana</a:t>
             </a:r>
             <a:endParaRPr lang="es-MX" dirty="0"/>
           </a:p>
@@ -12828,11 +12808,7 @@
           <a:p>
             <a:r>
               <a:rPr lang="es-MX" dirty="0" smtClean="0"/>
-              <a:t>Productos de </a:t>
-            </a:r>
-            <a:r>
-              <a:rPr lang="es-MX" dirty="0" smtClean="0"/>
-              <a:t>la próxima semana</a:t>
+              <a:t>Productos de la próxima semana</a:t>
             </a:r>
             <a:endParaRPr lang="es-MX" dirty="0"/>
           </a:p>
@@ -12901,23 +12877,7 @@
                     <a:p>
                       <a:r>
                         <a:rPr lang="es-ES" dirty="0" smtClean="0"/>
-                        <a:t>Terminar la </a:t>
-                      </a:r>
-                      <a:r>
-                        <a:rPr lang="es-ES" dirty="0" smtClean="0"/>
-                        <a:t>Implementación </a:t>
-                      </a:r>
-                      <a:r>
-                        <a:rPr lang="es-ES" dirty="0" smtClean="0"/>
-                        <a:t>en </a:t>
-                      </a:r>
-                      <a:r>
-                        <a:rPr lang="es-ES" dirty="0" smtClean="0"/>
-                        <a:t>ontología </a:t>
-                      </a:r>
-                      <a:r>
-                        <a:rPr lang="es-ES" dirty="0" smtClean="0"/>
-                        <a:t>- Indicadores</a:t>
+                        <a:t>Terminar la Implementación en ontología - Indicadores</a:t>
                       </a:r>
                     </a:p>
                   </a:txBody>
@@ -12932,13 +12892,8 @@
                     <a:p>
                       <a:r>
                         <a:rPr lang="es-ES" dirty="0" smtClean="0"/>
-                        <a:t>Mapa </a:t>
-                      </a:r>
-                      <a:r>
-                        <a:rPr lang="es-ES" dirty="0" smtClean="0"/>
-                        <a:t>Estratégico</a:t>
-                      </a:r>
-                      <a:endParaRPr lang="es-ES" dirty="0" smtClean="0"/>
+                        <a:t>Mapa Estratégico</a:t>
+                      </a:r>
                     </a:p>
                   </a:txBody>
                   <a:tcPr/>
@@ -12952,13 +12907,8 @@
                     <a:p>
                       <a:r>
                         <a:rPr lang="es-ES" dirty="0" smtClean="0"/>
-                        <a:t>Indicadores/Vista </a:t>
-                      </a:r>
-                      <a:r>
-                        <a:rPr lang="es-ES" dirty="0" smtClean="0"/>
-                        <a:t>resumen/Configuración</a:t>
-                      </a:r>
-                      <a:endParaRPr lang="es-ES" dirty="0" smtClean="0"/>
+                        <a:t>Indicadores/Vista resumen/Configuración</a:t>
+                      </a:r>
                     </a:p>
                   </a:txBody>
                   <a:tcPr/>
@@ -13020,13 +12970,8 @@
                       </a:pPr>
                       <a:r>
                         <a:rPr lang="es-ES" dirty="0" smtClean="0"/>
-                        <a:t>Indicadores/Vista </a:t>
-                      </a:r>
-                      <a:r>
-                        <a:rPr lang="es-ES" dirty="0" smtClean="0"/>
-                        <a:t>resumen/Configuración</a:t>
-                      </a:r>
-                      <a:endParaRPr lang="es-ES" dirty="0" smtClean="0"/>
+                        <a:t>Indicadores/Vista resumen/Configuración</a:t>
+                      </a:r>
                     </a:p>
                   </a:txBody>
                   <a:tcPr/>
@@ -14366,502 +14311,23 @@
         </p:nvSpPr>
         <p:spPr/>
         <p:txBody>
-          <a:bodyPr/>
+          <a:bodyPr>
+            <a:normAutofit fontScale="90000"/>
+          </a:bodyPr>
           <a:lstStyle/>
           <a:p>
             <a:r>
               <a:rPr lang="es-MX" dirty="0" smtClean="0"/>
-              <a:t>Reporte de Metas y Riesgos</a:t>
+              <a:t>Aquí van datos de planeado, real y pronosticado</a:t>
             </a:r>
             <a:endParaRPr lang="es-ES" dirty="0"/>
           </a:p>
         </p:txBody>
       </p:sp>
-      <p:graphicFrame>
-        <p:nvGraphicFramePr>
-          <p:cNvPr id="3" name="2 Tabla"/>
-          <p:cNvGraphicFramePr>
-            <a:graphicFrameLocks noGrp="1"/>
-          </p:cNvGraphicFramePr>
-          <p:nvPr>
-            <p:extLst>
-              <p:ext uri="{D42A27DB-BD31-4B8C-83A1-F6EECF244321}">
-                <p14:modId xmlns:p14="http://schemas.microsoft.com/office/powerpoint/2010/main" val="1637620432"/>
-              </p:ext>
-            </p:extLst>
-          </p:nvPr>
-        </p:nvGraphicFramePr>
-        <p:xfrm>
-          <a:off x="611560" y="1268760"/>
-          <a:ext cx="7848872" cy="5332112"/>
-        </p:xfrm>
-        <a:graphic>
-          <a:graphicData uri="http://schemas.openxmlformats.org/drawingml/2006/table">
-            <a:tbl>
-              <a:tblPr firstRow="1" bandRow="1">
-                <a:tableStyleId>{5C22544A-7EE6-4342-B048-85BDC9FD1C3A}</a:tableStyleId>
-              </a:tblPr>
-              <a:tblGrid>
-                <a:gridCol w="4232603"/>
-                <a:gridCol w="989822"/>
-                <a:gridCol w="2626447"/>
-              </a:tblGrid>
-              <a:tr h="392779">
-                <a:tc gridSpan="3">
-                  <a:txBody>
-                    <a:bodyPr/>
-                    <a:lstStyle/>
-                    <a:p>
-                      <a:pPr algn="ctr"/>
-                      <a:r>
-                        <a:rPr lang="es-MX" dirty="0" smtClean="0"/>
-                        <a:t>METAS</a:t>
-                      </a:r>
-                      <a:endParaRPr lang="es-ES" dirty="0"/>
-                    </a:p>
-                  </a:txBody>
-                  <a:tcPr/>
-                </a:tc>
-                <a:tc hMerge="1">
-                  <a:txBody>
-                    <a:bodyPr/>
-                    <a:lstStyle/>
-                    <a:p>
-                      <a:endParaRPr lang="es-ES" dirty="0"/>
-                    </a:p>
-                  </a:txBody>
-                  <a:tcPr/>
-                </a:tc>
-                <a:tc hMerge="1">
-                  <a:txBody>
-                    <a:bodyPr/>
-                    <a:lstStyle/>
-                    <a:p>
-                      <a:endParaRPr lang="es-ES" dirty="0"/>
-                    </a:p>
-                  </a:txBody>
-                  <a:tcPr/>
-                </a:tc>
-              </a:tr>
-              <a:tr h="968496">
-                <a:tc>
-                  <a:txBody>
-                    <a:bodyPr/>
-                    <a:lstStyle/>
-                    <a:p>
-                      <a:pPr marL="0" marR="0" indent="0" algn="l" defTabSz="914400" rtl="0" eaLnBrk="1" fontAlgn="auto" latinLnBrk="0" hangingPunct="1">
-                        <a:lnSpc>
-                          <a:spcPct val="100000"/>
-                        </a:lnSpc>
-                        <a:spcBef>
-                          <a:spcPts val="0"/>
-                        </a:spcBef>
-                        <a:spcAft>
-                          <a:spcPts val="0"/>
-                        </a:spcAft>
-                        <a:buClrTx/>
-                        <a:buSzTx/>
-                        <a:buFontTx/>
-                        <a:buNone/>
-                        <a:tabLst/>
-                        <a:defRPr/>
-                      </a:pPr>
-                      <a:r>
-                        <a:rPr lang="es-MX" sz="1800" u="none" strike="noStrike" dirty="0" smtClean="0">
-                          <a:effectLst/>
-                        </a:rPr>
-                        <a:t>Completar las funcionalidades proporcionadas por el cliente en su documento</a:t>
-                      </a:r>
-                      <a:endParaRPr lang="es-MX" sz="1800" b="0" i="0" u="none" strike="noStrike" dirty="0" smtClean="0">
-                        <a:solidFill>
-                          <a:srgbClr val="000000"/>
-                        </a:solidFill>
-                        <a:effectLst/>
-                        <a:latin typeface="Teen"/>
-                      </a:endParaRPr>
-                    </a:p>
-                  </a:txBody>
-                  <a:tcPr/>
-                </a:tc>
-                <a:tc>
-                  <a:txBody>
-                    <a:bodyPr/>
-                    <a:lstStyle/>
-                    <a:p>
-                      <a:r>
-                        <a:rPr lang="es-MX" dirty="0" smtClean="0"/>
-                        <a:t>CIRI</a:t>
-                      </a:r>
-                      <a:endParaRPr lang="es-ES" dirty="0"/>
-                    </a:p>
-                  </a:txBody>
-                  <a:tcPr/>
-                </a:tc>
-                <a:tc>
-                  <a:txBody>
-                    <a:bodyPr/>
-                    <a:lstStyle/>
-                    <a:p>
-                      <a:endParaRPr lang="es-ES"/>
-                    </a:p>
-                  </a:txBody>
-                  <a:tcPr/>
-                </a:tc>
-              </a:tr>
-              <a:tr h="677948">
-                <a:tc>
-                  <a:txBody>
-                    <a:bodyPr/>
-                    <a:lstStyle/>
-                    <a:p>
-                      <a:r>
-                        <a:rPr lang="es-MX" sz="1800" u="none" strike="noStrike" dirty="0" smtClean="0">
-                          <a:effectLst/>
-                        </a:rPr>
-                        <a:t>Terminar el primer ciclo del proyecto en octubre</a:t>
-                      </a:r>
-                      <a:endParaRPr lang="es-ES" dirty="0"/>
-                    </a:p>
-                  </a:txBody>
-                  <a:tcPr/>
-                </a:tc>
-                <a:tc>
-                  <a:txBody>
-                    <a:bodyPr/>
-                    <a:lstStyle/>
-                    <a:p>
-                      <a:r>
-                        <a:rPr lang="es-ES" sz="1800" u="none" strike="noStrike" dirty="0" smtClean="0">
-                          <a:effectLst/>
-                        </a:rPr>
-                        <a:t>MEJS</a:t>
-                      </a:r>
-                      <a:endParaRPr lang="es-ES" dirty="0"/>
-                    </a:p>
-                  </a:txBody>
-                  <a:tcPr/>
-                </a:tc>
-                <a:tc>
-                  <a:txBody>
-                    <a:bodyPr/>
-                    <a:lstStyle/>
-                    <a:p>
-                      <a:endParaRPr lang="es-ES"/>
-                    </a:p>
-                  </a:txBody>
-                  <a:tcPr/>
-                </a:tc>
-              </a:tr>
-              <a:tr h="1259045">
-                <a:tc>
-                  <a:txBody>
-                    <a:bodyPr/>
-                    <a:lstStyle/>
-                    <a:p>
-                      <a:pPr marL="0" marR="0" indent="0" algn="l" defTabSz="914400" rtl="0" eaLnBrk="1" fontAlgn="auto" latinLnBrk="0" hangingPunct="1">
-                        <a:lnSpc>
-                          <a:spcPct val="100000"/>
-                        </a:lnSpc>
-                        <a:spcBef>
-                          <a:spcPts val="0"/>
-                        </a:spcBef>
-                        <a:spcAft>
-                          <a:spcPts val="0"/>
-                        </a:spcAft>
-                        <a:buClrTx/>
-                        <a:buSzTx/>
-                        <a:buFontTx/>
-                        <a:buNone/>
-                        <a:tabLst/>
-                        <a:defRPr/>
-                      </a:pPr>
-                      <a:r>
-                        <a:rPr lang="es-MX" sz="1800" u="none" strike="noStrike" dirty="0" smtClean="0">
-                          <a:effectLst/>
-                        </a:rPr>
-                        <a:t>Proveer oportunamente la información del proyecto acordada con el administrador del proyecto</a:t>
-                      </a:r>
-                      <a:endParaRPr lang="es-MX" sz="1800" b="0" i="0" u="none" strike="noStrike" dirty="0" smtClean="0">
-                        <a:solidFill>
-                          <a:srgbClr val="000000"/>
-                        </a:solidFill>
-                        <a:effectLst/>
-                        <a:latin typeface="Teen"/>
-                      </a:endParaRPr>
-                    </a:p>
-                  </a:txBody>
-                  <a:tcPr/>
-                </a:tc>
-                <a:tc>
-                  <a:txBody>
-                    <a:bodyPr/>
-                    <a:lstStyle/>
-                    <a:p>
-                      <a:r>
-                        <a:rPr lang="es-ES" sz="1800" u="none" strike="noStrike" dirty="0" smtClean="0">
-                          <a:effectLst/>
-                        </a:rPr>
-                        <a:t>CIRI</a:t>
-                      </a:r>
-                      <a:endParaRPr lang="es-ES" dirty="0"/>
-                    </a:p>
-                  </a:txBody>
-                  <a:tcPr/>
-                </a:tc>
-                <a:tc>
-                  <a:txBody>
-                    <a:bodyPr/>
-                    <a:lstStyle/>
-                    <a:p>
-                      <a:endParaRPr lang="es-ES" dirty="0"/>
-                    </a:p>
-                  </a:txBody>
-                  <a:tcPr/>
-                </a:tc>
-              </a:tr>
-              <a:tr h="677948">
-                <a:tc>
-                  <a:txBody>
-                    <a:bodyPr/>
-                    <a:lstStyle/>
-                    <a:p>
-                      <a:pPr marL="0" marR="0" indent="0" algn="l" defTabSz="914400" rtl="0" eaLnBrk="1" fontAlgn="auto" latinLnBrk="0" hangingPunct="1">
-                        <a:lnSpc>
-                          <a:spcPct val="100000"/>
-                        </a:lnSpc>
-                        <a:spcBef>
-                          <a:spcPts val="0"/>
-                        </a:spcBef>
-                        <a:spcAft>
-                          <a:spcPts val="0"/>
-                        </a:spcAft>
-                        <a:buClrTx/>
-                        <a:buSzTx/>
-                        <a:buFontTx/>
-                        <a:buNone/>
-                        <a:tabLst/>
-                        <a:defRPr/>
-                      </a:pPr>
-                      <a:r>
-                        <a:rPr lang="es-MX" sz="1800" u="none" strike="noStrike" dirty="0" smtClean="0">
-                          <a:effectLst/>
-                        </a:rPr>
-                        <a:t>Generar </a:t>
-                      </a:r>
-                      <a:r>
-                        <a:rPr lang="es-MX" sz="1800" u="none" strike="noStrike" dirty="0" err="1" smtClean="0">
-                          <a:effectLst/>
-                        </a:rPr>
-                        <a:t>pips</a:t>
-                      </a:r>
-                      <a:r>
-                        <a:rPr lang="es-MX" sz="1800" u="none" strike="noStrike" dirty="0" smtClean="0">
-                          <a:effectLst/>
-                        </a:rPr>
-                        <a:t> para el proceso de desarrollo de software</a:t>
-                      </a:r>
-                      <a:endParaRPr lang="es-MX" sz="1800" b="0" i="0" u="none" strike="noStrike" dirty="0" smtClean="0">
-                        <a:solidFill>
-                          <a:srgbClr val="000000"/>
-                        </a:solidFill>
-                        <a:effectLst/>
-                        <a:latin typeface="Teen"/>
-                      </a:endParaRPr>
-                    </a:p>
-                  </a:txBody>
-                  <a:tcPr/>
-                </a:tc>
-                <a:tc>
-                  <a:txBody>
-                    <a:bodyPr/>
-                    <a:lstStyle/>
-                    <a:p>
-                      <a:r>
-                        <a:rPr lang="es-ES" sz="1800" u="none" strike="noStrike" dirty="0" smtClean="0">
-                          <a:effectLst/>
-                        </a:rPr>
-                        <a:t>JRJN</a:t>
-                      </a:r>
-                      <a:endParaRPr lang="es-ES" dirty="0"/>
-                    </a:p>
-                  </a:txBody>
-                  <a:tcPr/>
-                </a:tc>
-                <a:tc>
-                  <a:txBody>
-                    <a:bodyPr/>
-                    <a:lstStyle/>
-                    <a:p>
-                      <a:endParaRPr lang="es-ES" dirty="0"/>
-                    </a:p>
-                  </a:txBody>
-                  <a:tcPr/>
-                </a:tc>
-              </a:tr>
-              <a:tr h="677948">
-                <a:tc>
-                  <a:txBody>
-                    <a:bodyPr/>
-                    <a:lstStyle/>
-                    <a:p>
-                      <a:pPr marL="0" marR="0" indent="0" algn="l" defTabSz="914400" rtl="0" eaLnBrk="1" fontAlgn="auto" latinLnBrk="0" hangingPunct="1">
-                        <a:lnSpc>
-                          <a:spcPct val="100000"/>
-                        </a:lnSpc>
-                        <a:spcBef>
-                          <a:spcPts val="0"/>
-                        </a:spcBef>
-                        <a:spcAft>
-                          <a:spcPts val="0"/>
-                        </a:spcAft>
-                        <a:buClrTx/>
-                        <a:buSzTx/>
-                        <a:buFontTx/>
-                        <a:buNone/>
-                        <a:tabLst/>
-                        <a:defRPr/>
-                      </a:pPr>
-                      <a:r>
-                        <a:rPr lang="es-MX" sz="1800" u="none" strike="noStrike" dirty="0" smtClean="0">
-                          <a:effectLst/>
-                        </a:rPr>
-                        <a:t>Recopilar </a:t>
-                      </a:r>
-                      <a:r>
-                        <a:rPr lang="es-MX" sz="1800" u="none" strike="noStrike" dirty="0" smtClean="0">
-                          <a:effectLst/>
-                        </a:rPr>
-                        <a:t>métricas </a:t>
-                      </a:r>
-                      <a:r>
-                        <a:rPr lang="es-MX" sz="1800" u="none" strike="noStrike" dirty="0" smtClean="0">
-                          <a:effectLst/>
-                        </a:rPr>
-                        <a:t>correctas de la ejecución completa de los procesos</a:t>
-                      </a:r>
-                      <a:endParaRPr lang="es-MX" sz="1800" b="0" i="0" u="none" strike="noStrike" dirty="0" smtClean="0">
-                        <a:solidFill>
-                          <a:srgbClr val="000000"/>
-                        </a:solidFill>
-                        <a:effectLst/>
-                        <a:latin typeface="Teen"/>
-                      </a:endParaRPr>
-                    </a:p>
-                  </a:txBody>
-                  <a:tcPr/>
-                </a:tc>
-                <a:tc>
-                  <a:txBody>
-                    <a:bodyPr/>
-                    <a:lstStyle/>
-                    <a:p>
-                      <a:r>
-                        <a:rPr lang="es-ES" sz="1800" u="none" strike="noStrike" dirty="0" smtClean="0">
-                          <a:effectLst/>
-                        </a:rPr>
-                        <a:t>JRJN</a:t>
-                      </a:r>
-                      <a:endParaRPr lang="es-ES" dirty="0"/>
-                    </a:p>
-                  </a:txBody>
-                  <a:tcPr/>
-                </a:tc>
-                <a:tc>
-                  <a:txBody>
-                    <a:bodyPr/>
-                    <a:lstStyle/>
-                    <a:p>
-                      <a:endParaRPr lang="es-ES" dirty="0"/>
-                    </a:p>
-                  </a:txBody>
-                  <a:tcPr/>
-                </a:tc>
-              </a:tr>
-              <a:tr h="677948">
-                <a:tc>
-                  <a:txBody>
-                    <a:bodyPr/>
-                    <a:lstStyle/>
-                    <a:p>
-                      <a:pPr marL="0" marR="0" indent="0" algn="l" defTabSz="914400" rtl="0" eaLnBrk="1" fontAlgn="auto" latinLnBrk="0" hangingPunct="1">
-                        <a:lnSpc>
-                          <a:spcPct val="100000"/>
-                        </a:lnSpc>
-                        <a:spcBef>
-                          <a:spcPts val="0"/>
-                        </a:spcBef>
-                        <a:spcAft>
-                          <a:spcPts val="0"/>
-                        </a:spcAft>
-                        <a:buClrTx/>
-                        <a:buSzTx/>
-                        <a:buFontTx/>
-                        <a:buNone/>
-                        <a:tabLst/>
-                        <a:defRPr/>
-                      </a:pPr>
-                      <a:r>
-                        <a:rPr lang="es-MX" sz="1800" u="none" strike="noStrike" dirty="0" smtClean="0">
-                          <a:effectLst/>
-                        </a:rPr>
-                        <a:t>Defectos mayores entregados al </a:t>
-                      </a:r>
-                      <a:r>
-                        <a:rPr lang="es-MX" sz="1800" u="none" strike="noStrike" dirty="0" smtClean="0">
-                          <a:effectLst/>
-                        </a:rPr>
-                        <a:t>área </a:t>
-                      </a:r>
-                      <a:r>
-                        <a:rPr lang="es-MX" sz="1800" u="none" strike="noStrike" dirty="0" smtClean="0">
-                          <a:effectLst/>
-                        </a:rPr>
-                        <a:t>de pruebas</a:t>
-                      </a:r>
-                      <a:endParaRPr lang="es-MX" sz="1800" b="0" i="0" u="none" strike="noStrike" dirty="0" smtClean="0">
-                        <a:solidFill>
-                          <a:srgbClr val="000000"/>
-                        </a:solidFill>
-                        <a:effectLst/>
-                        <a:latin typeface="Teen"/>
-                      </a:endParaRPr>
-                    </a:p>
-                  </a:txBody>
-                  <a:tcPr/>
-                </a:tc>
-                <a:tc>
-                  <a:txBody>
-                    <a:bodyPr/>
-                    <a:lstStyle/>
-                    <a:p>
-                      <a:r>
-                        <a:rPr lang="es-MX" dirty="0" smtClean="0"/>
-                        <a:t>JRJN</a:t>
-                      </a:r>
-                      <a:endParaRPr lang="es-ES" dirty="0"/>
-                    </a:p>
-                  </a:txBody>
-                  <a:tcPr/>
-                </a:tc>
-                <a:tc>
-                  <a:txBody>
-                    <a:bodyPr/>
-                    <a:lstStyle/>
-                    <a:p>
-                      <a:endParaRPr lang="es-ES" dirty="0"/>
-                    </a:p>
-                  </a:txBody>
-                  <a:tcPr/>
-                </a:tc>
-              </a:tr>
-            </a:tbl>
-          </a:graphicData>
-        </a:graphic>
-      </p:graphicFrame>
     </p:spTree>
     <p:extLst>
       <p:ext uri="{BB962C8B-B14F-4D97-AF65-F5344CB8AC3E}">
-        <p14:creationId xmlns:p14="http://schemas.microsoft.com/office/powerpoint/2010/main" val="2651423770"/>
+        <p14:creationId xmlns:p14="http://schemas.microsoft.com/office/powerpoint/2010/main" val="2172280534"/>
       </p:ext>
     </p:extLst>
   </p:cSld>
@@ -15329,6 +14795,587 @@
           <a:p>
             <a:r>
               <a:rPr lang="es-MX" dirty="0" smtClean="0"/>
+              <a:t>Subestimación </a:t>
+            </a:r>
+            <a:r>
+              <a:rPr lang="es-MX" smtClean="0"/>
+              <a:t>del proyecto</a:t>
+            </a:r>
+            <a:endParaRPr lang="es-ES"/>
+          </a:p>
+        </p:txBody>
+      </p:sp>
+    </p:spTree>
+    <p:extLst>
+      <p:ext uri="{BB962C8B-B14F-4D97-AF65-F5344CB8AC3E}">
+        <p14:creationId xmlns:p14="http://schemas.microsoft.com/office/powerpoint/2010/main" val="3229680204"/>
+      </p:ext>
+    </p:extLst>
+  </p:cSld>
+  <p:clrMapOvr>
+    <a:masterClrMapping/>
+  </p:clrMapOvr>
+  <p:timing>
+    <p:tnLst>
+      <p:par>
+        <p:cTn id="1" dur="indefinite" restart="never" nodeType="tmRoot"/>
+      </p:par>
+    </p:tnLst>
+  </p:timing>
+</p:sld>
+</file>
+
+<file path=ppt/slides/slide31.xml><?xml version="1.0" encoding="utf-8"?>
+<p:sld xmlns:a="http://schemas.openxmlformats.org/drawingml/2006/main" xmlns:r="http://schemas.openxmlformats.org/officeDocument/2006/relationships" xmlns:p="http://schemas.openxmlformats.org/presentationml/2006/main">
+  <p:cSld>
+    <p:spTree>
+      <p:nvGrpSpPr>
+        <p:cNvPr id="1" name=""/>
+        <p:cNvGrpSpPr/>
+        <p:nvPr/>
+      </p:nvGrpSpPr>
+      <p:grpSpPr>
+        <a:xfrm>
+          <a:off x="0" y="0"/>
+          <a:ext cx="0" cy="0"/>
+          <a:chOff x="0" y="0"/>
+          <a:chExt cx="0" cy="0"/>
+        </a:xfrm>
+      </p:grpSpPr>
+      <p:sp>
+        <p:nvSpPr>
+          <p:cNvPr id="2" name="1 Título"/>
+          <p:cNvSpPr>
+            <a:spLocks noGrp="1"/>
+          </p:cNvSpPr>
+          <p:nvPr>
+            <p:ph type="title"/>
+          </p:nvPr>
+        </p:nvSpPr>
+        <p:spPr/>
+        <p:txBody>
+          <a:bodyPr/>
+          <a:lstStyle/>
+          <a:p>
+            <a:r>
+              <a:rPr lang="es-MX" dirty="0" smtClean="0"/>
+              <a:t>Reporte de Metas y Riesgos</a:t>
+            </a:r>
+            <a:endParaRPr lang="es-ES" dirty="0"/>
+          </a:p>
+        </p:txBody>
+      </p:sp>
+      <p:graphicFrame>
+        <p:nvGraphicFramePr>
+          <p:cNvPr id="3" name="2 Tabla"/>
+          <p:cNvGraphicFramePr>
+            <a:graphicFrameLocks noGrp="1"/>
+          </p:cNvGraphicFramePr>
+          <p:nvPr>
+            <p:extLst>
+              <p:ext uri="{D42A27DB-BD31-4B8C-83A1-F6EECF244321}">
+                <p14:modId xmlns:p14="http://schemas.microsoft.com/office/powerpoint/2010/main" val="1637620432"/>
+              </p:ext>
+            </p:extLst>
+          </p:nvPr>
+        </p:nvGraphicFramePr>
+        <p:xfrm>
+          <a:off x="611560" y="1268760"/>
+          <a:ext cx="7848872" cy="5332112"/>
+        </p:xfrm>
+        <a:graphic>
+          <a:graphicData uri="http://schemas.openxmlformats.org/drawingml/2006/table">
+            <a:tbl>
+              <a:tblPr firstRow="1" bandRow="1">
+                <a:tableStyleId>{5C22544A-7EE6-4342-B048-85BDC9FD1C3A}</a:tableStyleId>
+              </a:tblPr>
+              <a:tblGrid>
+                <a:gridCol w="4232603"/>
+                <a:gridCol w="989822"/>
+                <a:gridCol w="2626447"/>
+              </a:tblGrid>
+              <a:tr h="392779">
+                <a:tc gridSpan="3">
+                  <a:txBody>
+                    <a:bodyPr/>
+                    <a:lstStyle/>
+                    <a:p>
+                      <a:pPr algn="ctr"/>
+                      <a:r>
+                        <a:rPr lang="es-MX" dirty="0" smtClean="0"/>
+                        <a:t>METAS</a:t>
+                      </a:r>
+                      <a:endParaRPr lang="es-ES" dirty="0"/>
+                    </a:p>
+                  </a:txBody>
+                  <a:tcPr/>
+                </a:tc>
+                <a:tc hMerge="1">
+                  <a:txBody>
+                    <a:bodyPr/>
+                    <a:lstStyle/>
+                    <a:p>
+                      <a:endParaRPr lang="es-ES" dirty="0"/>
+                    </a:p>
+                  </a:txBody>
+                  <a:tcPr/>
+                </a:tc>
+                <a:tc hMerge="1">
+                  <a:txBody>
+                    <a:bodyPr/>
+                    <a:lstStyle/>
+                    <a:p>
+                      <a:endParaRPr lang="es-ES" dirty="0"/>
+                    </a:p>
+                  </a:txBody>
+                  <a:tcPr/>
+                </a:tc>
+              </a:tr>
+              <a:tr h="968496">
+                <a:tc>
+                  <a:txBody>
+                    <a:bodyPr/>
+                    <a:lstStyle/>
+                    <a:p>
+                      <a:pPr marL="0" marR="0" indent="0" algn="l" defTabSz="914400" rtl="0" eaLnBrk="1" fontAlgn="auto" latinLnBrk="0" hangingPunct="1">
+                        <a:lnSpc>
+                          <a:spcPct val="100000"/>
+                        </a:lnSpc>
+                        <a:spcBef>
+                          <a:spcPts val="0"/>
+                        </a:spcBef>
+                        <a:spcAft>
+                          <a:spcPts val="0"/>
+                        </a:spcAft>
+                        <a:buClrTx/>
+                        <a:buSzTx/>
+                        <a:buFontTx/>
+                        <a:buNone/>
+                        <a:tabLst/>
+                        <a:defRPr/>
+                      </a:pPr>
+                      <a:r>
+                        <a:rPr lang="es-MX" sz="1800" u="none" strike="noStrike" dirty="0" smtClean="0">
+                          <a:effectLst/>
+                        </a:rPr>
+                        <a:t>Completar las funcionalidades proporcionadas por el cliente en su documento</a:t>
+                      </a:r>
+                      <a:endParaRPr lang="es-MX" sz="1800" b="0" i="0" u="none" strike="noStrike" dirty="0" smtClean="0">
+                        <a:solidFill>
+                          <a:srgbClr val="000000"/>
+                        </a:solidFill>
+                        <a:effectLst/>
+                        <a:latin typeface="Teen"/>
+                      </a:endParaRPr>
+                    </a:p>
+                  </a:txBody>
+                  <a:tcPr/>
+                </a:tc>
+                <a:tc>
+                  <a:txBody>
+                    <a:bodyPr/>
+                    <a:lstStyle/>
+                    <a:p>
+                      <a:r>
+                        <a:rPr lang="es-MX" dirty="0" smtClean="0"/>
+                        <a:t>CIRI</a:t>
+                      </a:r>
+                      <a:endParaRPr lang="es-ES" dirty="0"/>
+                    </a:p>
+                  </a:txBody>
+                  <a:tcPr/>
+                </a:tc>
+                <a:tc>
+                  <a:txBody>
+                    <a:bodyPr/>
+                    <a:lstStyle/>
+                    <a:p>
+                      <a:endParaRPr lang="es-ES"/>
+                    </a:p>
+                  </a:txBody>
+                  <a:tcPr/>
+                </a:tc>
+              </a:tr>
+              <a:tr h="677948">
+                <a:tc>
+                  <a:txBody>
+                    <a:bodyPr/>
+                    <a:lstStyle/>
+                    <a:p>
+                      <a:r>
+                        <a:rPr lang="es-MX" sz="1800" u="none" strike="noStrike" dirty="0" smtClean="0">
+                          <a:effectLst/>
+                        </a:rPr>
+                        <a:t>Terminar el primer ciclo del proyecto en octubre</a:t>
+                      </a:r>
+                      <a:endParaRPr lang="es-ES" dirty="0"/>
+                    </a:p>
+                  </a:txBody>
+                  <a:tcPr/>
+                </a:tc>
+                <a:tc>
+                  <a:txBody>
+                    <a:bodyPr/>
+                    <a:lstStyle/>
+                    <a:p>
+                      <a:r>
+                        <a:rPr lang="es-ES" sz="1800" u="none" strike="noStrike" dirty="0" smtClean="0">
+                          <a:effectLst/>
+                        </a:rPr>
+                        <a:t>MEJS</a:t>
+                      </a:r>
+                      <a:endParaRPr lang="es-ES" dirty="0"/>
+                    </a:p>
+                  </a:txBody>
+                  <a:tcPr/>
+                </a:tc>
+                <a:tc>
+                  <a:txBody>
+                    <a:bodyPr/>
+                    <a:lstStyle/>
+                    <a:p>
+                      <a:endParaRPr lang="es-ES"/>
+                    </a:p>
+                  </a:txBody>
+                  <a:tcPr/>
+                </a:tc>
+              </a:tr>
+              <a:tr h="1259045">
+                <a:tc>
+                  <a:txBody>
+                    <a:bodyPr/>
+                    <a:lstStyle/>
+                    <a:p>
+                      <a:pPr marL="0" marR="0" indent="0" algn="l" defTabSz="914400" rtl="0" eaLnBrk="1" fontAlgn="auto" latinLnBrk="0" hangingPunct="1">
+                        <a:lnSpc>
+                          <a:spcPct val="100000"/>
+                        </a:lnSpc>
+                        <a:spcBef>
+                          <a:spcPts val="0"/>
+                        </a:spcBef>
+                        <a:spcAft>
+                          <a:spcPts val="0"/>
+                        </a:spcAft>
+                        <a:buClrTx/>
+                        <a:buSzTx/>
+                        <a:buFontTx/>
+                        <a:buNone/>
+                        <a:tabLst/>
+                        <a:defRPr/>
+                      </a:pPr>
+                      <a:r>
+                        <a:rPr lang="es-MX" sz="1800" u="none" strike="noStrike" dirty="0" smtClean="0">
+                          <a:effectLst/>
+                        </a:rPr>
+                        <a:t>Proveer oportunamente la información del proyecto acordada con el administrador del proyecto</a:t>
+                      </a:r>
+                      <a:endParaRPr lang="es-MX" sz="1800" b="0" i="0" u="none" strike="noStrike" dirty="0" smtClean="0">
+                        <a:solidFill>
+                          <a:srgbClr val="000000"/>
+                        </a:solidFill>
+                        <a:effectLst/>
+                        <a:latin typeface="Teen"/>
+                      </a:endParaRPr>
+                    </a:p>
+                  </a:txBody>
+                  <a:tcPr/>
+                </a:tc>
+                <a:tc>
+                  <a:txBody>
+                    <a:bodyPr/>
+                    <a:lstStyle/>
+                    <a:p>
+                      <a:r>
+                        <a:rPr lang="es-ES" sz="1800" u="none" strike="noStrike" dirty="0" smtClean="0">
+                          <a:effectLst/>
+                        </a:rPr>
+                        <a:t>CIRI</a:t>
+                      </a:r>
+                      <a:endParaRPr lang="es-ES" dirty="0"/>
+                    </a:p>
+                  </a:txBody>
+                  <a:tcPr/>
+                </a:tc>
+                <a:tc>
+                  <a:txBody>
+                    <a:bodyPr/>
+                    <a:lstStyle/>
+                    <a:p>
+                      <a:endParaRPr lang="es-ES" dirty="0"/>
+                    </a:p>
+                  </a:txBody>
+                  <a:tcPr/>
+                </a:tc>
+              </a:tr>
+              <a:tr h="677948">
+                <a:tc>
+                  <a:txBody>
+                    <a:bodyPr/>
+                    <a:lstStyle/>
+                    <a:p>
+                      <a:pPr marL="0" marR="0" indent="0" algn="l" defTabSz="914400" rtl="0" eaLnBrk="1" fontAlgn="auto" latinLnBrk="0" hangingPunct="1">
+                        <a:lnSpc>
+                          <a:spcPct val="100000"/>
+                        </a:lnSpc>
+                        <a:spcBef>
+                          <a:spcPts val="0"/>
+                        </a:spcBef>
+                        <a:spcAft>
+                          <a:spcPts val="0"/>
+                        </a:spcAft>
+                        <a:buClrTx/>
+                        <a:buSzTx/>
+                        <a:buFontTx/>
+                        <a:buNone/>
+                        <a:tabLst/>
+                        <a:defRPr/>
+                      </a:pPr>
+                      <a:r>
+                        <a:rPr lang="es-MX" sz="1800" u="none" strike="noStrike" dirty="0" smtClean="0">
+                          <a:effectLst/>
+                        </a:rPr>
+                        <a:t>Generar </a:t>
+                      </a:r>
+                      <a:r>
+                        <a:rPr lang="es-MX" sz="1800" u="none" strike="noStrike" dirty="0" err="1" smtClean="0">
+                          <a:effectLst/>
+                        </a:rPr>
+                        <a:t>pips</a:t>
+                      </a:r>
+                      <a:r>
+                        <a:rPr lang="es-MX" sz="1800" u="none" strike="noStrike" dirty="0" smtClean="0">
+                          <a:effectLst/>
+                        </a:rPr>
+                        <a:t> para el proceso de desarrollo de software</a:t>
+                      </a:r>
+                      <a:endParaRPr lang="es-MX" sz="1800" b="0" i="0" u="none" strike="noStrike" dirty="0" smtClean="0">
+                        <a:solidFill>
+                          <a:srgbClr val="000000"/>
+                        </a:solidFill>
+                        <a:effectLst/>
+                        <a:latin typeface="Teen"/>
+                      </a:endParaRPr>
+                    </a:p>
+                  </a:txBody>
+                  <a:tcPr/>
+                </a:tc>
+                <a:tc>
+                  <a:txBody>
+                    <a:bodyPr/>
+                    <a:lstStyle/>
+                    <a:p>
+                      <a:r>
+                        <a:rPr lang="es-ES" sz="1800" u="none" strike="noStrike" dirty="0" smtClean="0">
+                          <a:effectLst/>
+                        </a:rPr>
+                        <a:t>JRJN</a:t>
+                      </a:r>
+                      <a:endParaRPr lang="es-ES" dirty="0"/>
+                    </a:p>
+                  </a:txBody>
+                  <a:tcPr/>
+                </a:tc>
+                <a:tc>
+                  <a:txBody>
+                    <a:bodyPr/>
+                    <a:lstStyle/>
+                    <a:p>
+                      <a:endParaRPr lang="es-ES" dirty="0"/>
+                    </a:p>
+                  </a:txBody>
+                  <a:tcPr/>
+                </a:tc>
+              </a:tr>
+              <a:tr h="677948">
+                <a:tc>
+                  <a:txBody>
+                    <a:bodyPr/>
+                    <a:lstStyle/>
+                    <a:p>
+                      <a:pPr marL="0" marR="0" indent="0" algn="l" defTabSz="914400" rtl="0" eaLnBrk="1" fontAlgn="auto" latinLnBrk="0" hangingPunct="1">
+                        <a:lnSpc>
+                          <a:spcPct val="100000"/>
+                        </a:lnSpc>
+                        <a:spcBef>
+                          <a:spcPts val="0"/>
+                        </a:spcBef>
+                        <a:spcAft>
+                          <a:spcPts val="0"/>
+                        </a:spcAft>
+                        <a:buClrTx/>
+                        <a:buSzTx/>
+                        <a:buFontTx/>
+                        <a:buNone/>
+                        <a:tabLst/>
+                        <a:defRPr/>
+                      </a:pPr>
+                      <a:r>
+                        <a:rPr lang="es-MX" sz="1800" u="none" strike="noStrike" dirty="0" smtClean="0">
+                          <a:effectLst/>
+                        </a:rPr>
+                        <a:t>Recopilar métricas correctas de la ejecución completa de los procesos</a:t>
+                      </a:r>
+                      <a:endParaRPr lang="es-MX" sz="1800" b="0" i="0" u="none" strike="noStrike" dirty="0" smtClean="0">
+                        <a:solidFill>
+                          <a:srgbClr val="000000"/>
+                        </a:solidFill>
+                        <a:effectLst/>
+                        <a:latin typeface="Teen"/>
+                      </a:endParaRPr>
+                    </a:p>
+                  </a:txBody>
+                  <a:tcPr/>
+                </a:tc>
+                <a:tc>
+                  <a:txBody>
+                    <a:bodyPr/>
+                    <a:lstStyle/>
+                    <a:p>
+                      <a:r>
+                        <a:rPr lang="es-ES" sz="1800" u="none" strike="noStrike" dirty="0" smtClean="0">
+                          <a:effectLst/>
+                        </a:rPr>
+                        <a:t>JRJN</a:t>
+                      </a:r>
+                      <a:endParaRPr lang="es-ES" dirty="0"/>
+                    </a:p>
+                  </a:txBody>
+                  <a:tcPr/>
+                </a:tc>
+                <a:tc>
+                  <a:txBody>
+                    <a:bodyPr/>
+                    <a:lstStyle/>
+                    <a:p>
+                      <a:endParaRPr lang="es-ES" dirty="0"/>
+                    </a:p>
+                  </a:txBody>
+                  <a:tcPr/>
+                </a:tc>
+              </a:tr>
+              <a:tr h="677948">
+                <a:tc>
+                  <a:txBody>
+                    <a:bodyPr/>
+                    <a:lstStyle/>
+                    <a:p>
+                      <a:pPr marL="0" marR="0" indent="0" algn="l" defTabSz="914400" rtl="0" eaLnBrk="1" fontAlgn="auto" latinLnBrk="0" hangingPunct="1">
+                        <a:lnSpc>
+                          <a:spcPct val="100000"/>
+                        </a:lnSpc>
+                        <a:spcBef>
+                          <a:spcPts val="0"/>
+                        </a:spcBef>
+                        <a:spcAft>
+                          <a:spcPts val="0"/>
+                        </a:spcAft>
+                        <a:buClrTx/>
+                        <a:buSzTx/>
+                        <a:buFontTx/>
+                        <a:buNone/>
+                        <a:tabLst/>
+                        <a:defRPr/>
+                      </a:pPr>
+                      <a:r>
+                        <a:rPr lang="es-MX" sz="1800" u="none" strike="noStrike" dirty="0" smtClean="0">
+                          <a:effectLst/>
+                        </a:rPr>
+                        <a:t>Defectos mayores entregados al área de pruebas</a:t>
+                      </a:r>
+                      <a:endParaRPr lang="es-MX" sz="1800" b="0" i="0" u="none" strike="noStrike" dirty="0" smtClean="0">
+                        <a:solidFill>
+                          <a:srgbClr val="000000"/>
+                        </a:solidFill>
+                        <a:effectLst/>
+                        <a:latin typeface="Teen"/>
+                      </a:endParaRPr>
+                    </a:p>
+                  </a:txBody>
+                  <a:tcPr/>
+                </a:tc>
+                <a:tc>
+                  <a:txBody>
+                    <a:bodyPr/>
+                    <a:lstStyle/>
+                    <a:p>
+                      <a:r>
+                        <a:rPr lang="es-MX" dirty="0" smtClean="0"/>
+                        <a:t>JRJN</a:t>
+                      </a:r>
+                      <a:endParaRPr lang="es-ES" dirty="0"/>
+                    </a:p>
+                  </a:txBody>
+                  <a:tcPr/>
+                </a:tc>
+                <a:tc>
+                  <a:txBody>
+                    <a:bodyPr/>
+                    <a:lstStyle/>
+                    <a:p>
+                      <a:endParaRPr lang="es-ES" dirty="0"/>
+                    </a:p>
+                  </a:txBody>
+                  <a:tcPr/>
+                </a:tc>
+              </a:tr>
+            </a:tbl>
+          </a:graphicData>
+        </a:graphic>
+      </p:graphicFrame>
+    </p:spTree>
+    <p:extLst>
+      <p:ext uri="{BB962C8B-B14F-4D97-AF65-F5344CB8AC3E}">
+        <p14:creationId xmlns:p14="http://schemas.microsoft.com/office/powerpoint/2010/main" val="2651423770"/>
+      </p:ext>
+    </p:extLst>
+  </p:cSld>
+  <p:clrMapOvr>
+    <a:masterClrMapping/>
+  </p:clrMapOvr>
+  <p:timing>
+    <p:tnLst>
+      <p:par>
+        <p:cTn id="1" dur="indefinite" restart="never" nodeType="tmRoot"/>
+      </p:par>
+    </p:tnLst>
+  </p:timing>
+</p:sld>
+</file>
+
+<file path=ppt/slides/slide32.xml><?xml version="1.0" encoding="utf-8"?>
+<p:sld xmlns:a="http://schemas.openxmlformats.org/drawingml/2006/main" xmlns:r="http://schemas.openxmlformats.org/officeDocument/2006/relationships" xmlns:p="http://schemas.openxmlformats.org/presentationml/2006/main">
+  <p:cSld>
+    <p:spTree>
+      <p:nvGrpSpPr>
+        <p:cNvPr id="1" name=""/>
+        <p:cNvGrpSpPr/>
+        <p:nvPr/>
+      </p:nvGrpSpPr>
+      <p:grpSpPr>
+        <a:xfrm>
+          <a:off x="0" y="0"/>
+          <a:ext cx="0" cy="0"/>
+          <a:chOff x="0" y="0"/>
+          <a:chExt cx="0" cy="0"/>
+        </a:xfrm>
+      </p:grpSpPr>
+      <p:sp>
+        <p:nvSpPr>
+          <p:cNvPr id="2" name="1 Título"/>
+          <p:cNvSpPr>
+            <a:spLocks noGrp="1"/>
+          </p:cNvSpPr>
+          <p:nvPr>
+            <p:ph type="title"/>
+          </p:nvPr>
+        </p:nvSpPr>
+        <p:spPr/>
+        <p:txBody>
+          <a:bodyPr/>
+          <a:lstStyle/>
+          <a:p>
+            <a:r>
+              <a:rPr lang="es-MX" dirty="0" smtClean="0"/>
               <a:t>Reporte de Metas y Riesgos</a:t>
             </a:r>
             <a:endParaRPr lang="es-ES" dirty="0"/>
@@ -15836,7 +15883,7 @@
 </p:sld>
 </file>
 
-<file path=ppt/slides/slide31.xml><?xml version="1.0" encoding="utf-8"?>
+<file path=ppt/slides/slide33.xml><?xml version="1.0" encoding="utf-8"?>
 <p:sld xmlns:a="http://schemas.openxmlformats.org/drawingml/2006/main" xmlns:r="http://schemas.openxmlformats.org/officeDocument/2006/relationships" xmlns:p="http://schemas.openxmlformats.org/presentationml/2006/main">
   <p:cSld>
     <p:spTree>
@@ -16022,7 +16069,7 @@
 </p:sld>
 </file>
 
-<file path=ppt/slides/slide32.xml><?xml version="1.0" encoding="utf-8"?>
+<file path=ppt/slides/slide34.xml><?xml version="1.0" encoding="utf-8"?>
 <p:sld xmlns:a="http://schemas.openxmlformats.org/drawingml/2006/main" xmlns:r="http://schemas.openxmlformats.org/officeDocument/2006/relationships" xmlns:p="http://schemas.openxmlformats.org/presentationml/2006/main">
   <p:cSld>
     <p:spTree>
@@ -16089,7 +16136,7 @@
 </p:sld>
 </file>
 
-<file path=ppt/slides/slide33.xml><?xml version="1.0" encoding="utf-8"?>
+<file path=ppt/slides/slide35.xml><?xml version="1.0" encoding="utf-8"?>
 <p:sld xmlns:a="http://schemas.openxmlformats.org/drawingml/2006/main" xmlns:r="http://schemas.openxmlformats.org/officeDocument/2006/relationships" xmlns:p="http://schemas.openxmlformats.org/presentationml/2006/main">
   <p:cSld>
     <p:spTree>
